--- a/Final/E-shop UG02-47-18-030.pptx
+++ b/Final/E-shop UG02-47-18-030.pptx
@@ -8558,8 +8558,16 @@
           <a:lstStyle/>
           <a:p>
             <a:r>
+              <a:rPr lang="en-US"/>
+              <a:t>My</a:t>
+            </a:r>
+            <a:r>
+              <a:rPr lang="bn-BD"/>
+              <a:t> </a:t>
+            </a:r>
+            <a:r>
               <a:rPr lang="bn-BD" dirty="0"/>
-              <a:t>Our main aim is to create a user friendly website in which A </a:t>
+              <a:t>aim is to create a user friendly website in which A </a:t>
             </a:r>
             <a:r>
               <a:rPr lang="en-US" dirty="0"/>
